--- a/borathon-presentation.pptx
+++ b/borathon-presentation.pptx
@@ -3669,13 +3669,8 @@
             <a:pPr algn="ctr" eaLnBrk="1" hangingPunct="1"/>
             <a:r>
               <a:rPr lang="en-US" dirty="0" smtClean="0"/>
-              <a:t>Support Bundle </a:t>
-            </a:r>
-            <a:r>
-              <a:rPr lang="en-US" dirty="0" smtClean="0"/>
-              <a:t>Insight</a:t>
-            </a:r>
-            <a:endParaRPr lang="en-US" dirty="0" smtClean="0"/>
+              <a:t>Support Bundle Insight</a:t>
+            </a:r>
           </a:p>
         </p:txBody>
       </p:sp>
@@ -4303,8 +4298,8 @@
               <a:t>Bundle </a:t>
             </a:r>
             <a:r>
-              <a:rPr lang="en-US" sz="3600" dirty="0" err="1" smtClean="0"/>
-              <a:t>Instight</a:t>
+              <a:rPr lang="en-US" sz="3600" dirty="0" smtClean="0"/>
+              <a:t>Insight</a:t>
             </a:r>
             <a:endParaRPr lang="en-US" sz="3600" dirty="0" smtClean="0"/>
           </a:p>
@@ -4320,7 +4315,19 @@
             <a:pPr algn="ctr"/>
             <a:r>
               <a:rPr lang="en-US" sz="2800" dirty="0" smtClean="0"/>
-              <a:t>Support Bundle insight doesn’t hurt!</a:t>
+              <a:t>Support </a:t>
+            </a:r>
+            <a:r>
+              <a:rPr lang="en-US" sz="2800" smtClean="0"/>
+              <a:t>Bundle </a:t>
+            </a:r>
+            <a:r>
+              <a:rPr lang="en-US" sz="2800" smtClean="0"/>
+              <a:t>Insight </a:t>
+            </a:r>
+            <a:r>
+              <a:rPr lang="en-US" sz="2800" dirty="0" smtClean="0"/>
+              <a:t>doesn’t hurt!</a:t>
             </a:r>
             <a:endParaRPr lang="en-US" sz="2800" dirty="0"/>
           </a:p>
@@ -5713,17 +5720,8 @@
               <a:rPr lang="en-US" sz="4000" dirty="0" smtClean="0">
                 <a:latin typeface="+mj-lt"/>
               </a:rPr>
-              <a:t>Demo</a:t>
-            </a:r>
-            <a:r>
-              <a:rPr lang="en-US" sz="4000" dirty="0" smtClean="0">
-                <a:latin typeface="+mj-lt"/>
-              </a:rPr>
-              <a:t> </a:t>
-            </a:r>
-            <a:endParaRPr lang="en-US" sz="4000" dirty="0" smtClean="0">
-              <a:latin typeface="+mj-lt"/>
-            </a:endParaRPr>
+              <a:t>Demo </a:t>
+            </a:r>
           </a:p>
           <a:p>
             <a:pPr marL="228600" lvl="1" indent="0">
@@ -6550,9 +6548,6 @@
               </a:rPr>
               <a:t>Q&amp;A</a:t>
             </a:r>
-            <a:endParaRPr lang="en-US" sz="4000" dirty="0" smtClean="0">
-              <a:latin typeface="+mj-lt"/>
-            </a:endParaRPr>
           </a:p>
         </p:txBody>
       </p:sp>
